--- a/otrasMaterias/Präsentation.pptx
+++ b/otrasMaterias/Präsentation.pptx
@@ -110,6 +110,11 @@
       </a:defRPr>
     </a:lvl9pPr>
   </p:defaultTextStyle>
+  <p:extLst>
+    <p:ext uri="{EFAFB233-063F-42B5-8137-9DF3F51BA10A}">
+      <p15:sldGuideLst xmlns:p15="http://schemas.microsoft.com/office/powerpoint/2012/main"/>
+    </p:ext>
+  </p:extLst>
 </p:presentation>
 </file>
 
@@ -387,7 +392,7 @@
           <a:p>
             <a:fld id="{78ABE3C1-DBE1-495D-B57B-2849774B866A}" type="datetimeFigureOut">
               <a:rPr lang="en-US" dirty="0"/>
-              <a:t>4/20/2017</a:t>
+              <a:t>4/25/2017</a:t>
             </a:fld>
             <a:endParaRPr lang="en-US" dirty="0"/>
           </a:p>
@@ -796,7 +801,7 @@
           <a:p>
             <a:fld id="{446C117F-5CCF-4837-BE5F-2B92066CAFAF}" type="datetimeFigureOut">
               <a:rPr lang="en-US" dirty="0"/>
-              <a:t>4/20/2017</a:t>
+              <a:t>4/25/2017</a:t>
             </a:fld>
             <a:endParaRPr lang="en-US" dirty="0"/>
           </a:p>
@@ -1127,7 +1132,7 @@
           <a:p>
             <a:fld id="{84EB90BD-B6CE-46B7-997F-7313B992CCDC}" type="datetimeFigureOut">
               <a:rPr lang="en-US" dirty="0"/>
-              <a:t>4/20/2017</a:t>
+              <a:t>4/25/2017</a:t>
             </a:fld>
             <a:endParaRPr lang="en-US" dirty="0"/>
           </a:p>
@@ -1527,7 +1532,7 @@
           <a:p>
             <a:fld id="{CDB9D11F-B188-461D-B23F-39381795C052}" type="datetimeFigureOut">
               <a:rPr lang="en-US" dirty="0"/>
-              <a:t>4/20/2017</a:t>
+              <a:t>4/25/2017</a:t>
             </a:fld>
             <a:endParaRPr lang="en-US" dirty="0"/>
           </a:p>
@@ -2090,7 +2095,7 @@
           <a:p>
             <a:fld id="{52E6D8D9-55A2-4063-B0F3-121F44549695}" type="datetimeFigureOut">
               <a:rPr lang="en-US" dirty="0"/>
-              <a:t>4/20/2017</a:t>
+              <a:t>4/25/2017</a:t>
             </a:fld>
             <a:endParaRPr lang="en-US" dirty="0"/>
           </a:p>
@@ -2766,7 +2771,7 @@
           <a:p>
             <a:fld id="{D4B24536-994D-4021-A283-9F449C0DB509}" type="datetimeFigureOut">
               <a:rPr lang="en-US" dirty="0"/>
-              <a:t>4/20/2017</a:t>
+              <a:t>4/25/2017</a:t>
             </a:fld>
             <a:endParaRPr lang="en-US" dirty="0"/>
           </a:p>
@@ -3674,7 +3679,7 @@
           <a:p>
             <a:fld id="{3CBBBB78-C96F-47B7-AB17-D852CA960AC9}" type="datetimeFigureOut">
               <a:rPr lang="en-US" dirty="0"/>
-              <a:t>4/20/2017</a:t>
+              <a:t>4/25/2017</a:t>
             </a:fld>
             <a:endParaRPr lang="en-US" dirty="0"/>
           </a:p>
@@ -3982,7 +3987,7 @@
           <a:p>
             <a:fld id="{1FA3F48C-C7C6-4055-9F49-3777875E72AE}" type="datetimeFigureOut">
               <a:rPr lang="en-US" dirty="0"/>
-              <a:t>4/20/2017</a:t>
+              <a:t>4/25/2017</a:t>
             </a:fld>
             <a:endParaRPr lang="en-US" dirty="0"/>
           </a:p>
@@ -4241,7 +4246,7 @@
           <a:p>
             <a:fld id="{6178E61D-D431-422C-9764-11DAFE33AB63}" type="datetimeFigureOut">
               <a:rPr lang="en-US" dirty="0"/>
-              <a:t>4/20/2017</a:t>
+              <a:t>4/25/2017</a:t>
             </a:fld>
             <a:endParaRPr lang="en-US" dirty="0"/>
           </a:p>
@@ -4560,7 +4565,7 @@
           <a:p>
             <a:fld id="{12DE42F4-6EEF-4EF7-8ED4-2208F0F89A08}" type="datetimeFigureOut">
               <a:rPr lang="en-US" dirty="0"/>
-              <a:t>4/20/2017</a:t>
+              <a:t>4/25/2017</a:t>
             </a:fld>
             <a:endParaRPr lang="en-US" dirty="0"/>
           </a:p>
@@ -4944,7 +4949,7 @@
           <a:p>
             <a:fld id="{30578ACC-22D6-47C1-A373-4FD133E34F3C}" type="datetimeFigureOut">
               <a:rPr lang="en-US" dirty="0"/>
-              <a:t>4/20/2017</a:t>
+              <a:t>4/25/2017</a:t>
             </a:fld>
             <a:endParaRPr lang="en-US" dirty="0"/>
           </a:p>
@@ -5315,7 +5320,7 @@
           <a:p>
             <a:fld id="{4E5A6C69-6797-4E8A-BF37-F2C3751466E9}" type="datetimeFigureOut">
               <a:rPr lang="en-US" dirty="0"/>
-              <a:t>4/20/2017</a:t>
+              <a:t>4/25/2017</a:t>
             </a:fld>
             <a:endParaRPr lang="en-US" dirty="0"/>
           </a:p>
@@ -5816,7 +5821,7 @@
           <a:p>
             <a:fld id="{D82014A1-A632-4878-A0D3-F52BA7563730}" type="datetimeFigureOut">
               <a:rPr lang="en-US" dirty="0"/>
-              <a:t>4/20/2017</a:t>
+              <a:t>4/25/2017</a:t>
             </a:fld>
             <a:endParaRPr lang="en-US" dirty="0"/>
           </a:p>
@@ -6068,7 +6073,7 @@
           <a:p>
             <a:fld id="{CE99F462-093F-4566-844B-4C71F2739DA5}" type="datetimeFigureOut">
               <a:rPr lang="en-US" dirty="0"/>
-              <a:t>4/20/2017</a:t>
+              <a:t>4/25/2017</a:t>
             </a:fld>
             <a:endParaRPr lang="en-US" dirty="0"/>
           </a:p>
@@ -6226,7 +6231,7 @@
           <a:p>
             <a:fld id="{3D24A7AC-904D-4781-85BA-7D10C17ED021}" type="datetimeFigureOut">
               <a:rPr lang="en-US" dirty="0"/>
-              <a:t>4/20/2017</a:t>
+              <a:t>4/25/2017</a:t>
             </a:fld>
             <a:endParaRPr lang="en-US" dirty="0"/>
           </a:p>
@@ -6611,7 +6616,7 @@
           <a:p>
             <a:fld id="{E331444B-B92B-4E27-8C94-BB93EAF5CB18}" type="datetimeFigureOut">
               <a:rPr lang="en-US" dirty="0"/>
-              <a:t>4/20/2017</a:t>
+              <a:t>4/25/2017</a:t>
             </a:fld>
             <a:endParaRPr lang="en-US" dirty="0"/>
           </a:p>
@@ -7015,7 +7020,7 @@
           <a:p>
             <a:fld id="{363EFA5E-FA76-400D-B3DC-F0BA90E6D107}" type="datetimeFigureOut">
               <a:rPr lang="en-US" dirty="0"/>
-              <a:t>4/20/2017</a:t>
+              <a:t>4/25/2017</a:t>
             </a:fld>
             <a:endParaRPr lang="en-US" dirty="0"/>
           </a:p>
@@ -7254,7 +7259,7 @@
           <a:p>
             <a:fld id="{9D6E9DEC-419B-4CC5-A080-3B06BD5A8291}" type="datetimeFigureOut">
               <a:rPr lang="en-US" dirty="0"/>
-              <a:t>4/20/2017</a:t>
+              <a:t>4/25/2017</a:t>
             </a:fld>
             <a:endParaRPr lang="en-US" dirty="0"/>
           </a:p>
@@ -8198,7 +8203,7 @@
             </a:r>
             <a:r>
               <a:rPr lang="es-CO" dirty="0" err="1"/>
-              <a:t>habe</a:t>
+              <a:t>hat</a:t>
             </a:r>
             <a:r>
               <a:rPr lang="es-CO" dirty="0"/>
@@ -8272,7 +8277,15 @@
             </a:r>
             <a:r>
               <a:rPr lang="es-CO" dirty="0" err="1"/>
-              <a:t>Kühlschrankes</a:t>
+              <a:t>Kühlschranke</a:t>
+            </a:r>
+            <a:r>
+              <a:rPr lang="es-CO" dirty="0"/>
+              <a:t>, </a:t>
+            </a:r>
+            <a:r>
+              <a:rPr lang="es-CO" dirty="0" err="1"/>
+              <a:t>dann</a:t>
             </a:r>
             <a:r>
               <a:rPr lang="es-CO" dirty="0"/>
@@ -8280,7 +8293,7 @@
             </a:r>
             <a:r>
               <a:rPr lang="es-CO" dirty="0" err="1"/>
-              <a:t>dann</a:t>
+              <a:t>brauchen</a:t>
             </a:r>
             <a:r>
               <a:rPr lang="es-CO" dirty="0"/>
@@ -8288,7 +8301,7 @@
             </a:r>
             <a:r>
               <a:rPr lang="es-CO" dirty="0" err="1"/>
-              <a:t>brauchen</a:t>
+              <a:t>wir</a:t>
             </a:r>
             <a:r>
               <a:rPr lang="es-CO" dirty="0"/>
@@ -8296,7 +8309,7 @@
             </a:r>
             <a:r>
               <a:rPr lang="es-CO" dirty="0" err="1"/>
-              <a:t>wir</a:t>
+              <a:t>nicht</a:t>
             </a:r>
             <a:r>
               <a:rPr lang="es-CO" dirty="0"/>
@@ -8304,7 +8317,7 @@
             </a:r>
             <a:r>
               <a:rPr lang="es-CO" dirty="0" err="1"/>
-              <a:t>nicht</a:t>
+              <a:t>mehr</a:t>
             </a:r>
             <a:r>
               <a:rPr lang="es-CO" dirty="0"/>
@@ -8312,7 +8325,7 @@
             </a:r>
             <a:r>
               <a:rPr lang="es-CO" dirty="0" err="1"/>
-              <a:t>mehr</a:t>
+              <a:t>Fleisch</a:t>
             </a:r>
             <a:r>
               <a:rPr lang="es-CO" dirty="0"/>
@@ -8320,15 +8333,7 @@
             </a:r>
             <a:r>
               <a:rPr lang="es-CO" dirty="0" err="1"/>
-              <a:t>Fleisch</a:t>
-            </a:r>
-            <a:r>
-              <a:rPr lang="es-CO" dirty="0"/>
-              <a:t> </a:t>
-            </a:r>
-            <a:r>
-              <a:rPr lang="es-CO" dirty="0" err="1"/>
-              <a:t>rauchen</a:t>
+              <a:t>räuchern</a:t>
             </a:r>
             <a:r>
               <a:rPr lang="es-CO" dirty="0"/>
@@ -8425,7 +8430,7 @@
             </a:r>
             <a:r>
               <a:rPr lang="es-CO" b="1" dirty="0" err="1"/>
-              <a:t>hatten</a:t>
+              <a:t>hattendamals</a:t>
             </a:r>
             <a:r>
               <a:rPr lang="es-CO" b="1" dirty="0"/>
@@ -8450,8 +8455,12 @@
           </a:p>
           <a:p>
             <a:r>
+              <a:rPr lang="es-CO" b="1" dirty="0" err="1"/>
+              <a:t>Räuchern</a:t>
+            </a:r>
+            <a:r>
               <a:rPr lang="es-CO" b="1" dirty="0"/>
-              <a:t>Rauch </a:t>
+              <a:t> </a:t>
             </a:r>
             <a:r>
               <a:rPr lang="es-CO" b="1" dirty="0" err="1"/>
@@ -8463,7 +8472,7 @@
             </a:r>
             <a:r>
               <a:rPr lang="es-CO" b="1" dirty="0" err="1"/>
-              <a:t>trocknen</a:t>
+              <a:t>einsalzen</a:t>
             </a:r>
             <a:r>
               <a:rPr lang="es-CO" b="1" dirty="0"/>
@@ -8503,7 +8512,7 @@
             </a:r>
             <a:r>
               <a:rPr lang="es-CO" b="1" dirty="0" err="1"/>
-              <a:t>trocknen</a:t>
+              <a:t>einsalzen</a:t>
             </a:r>
             <a:r>
               <a:rPr lang="es-CO" b="1" dirty="0"/>
@@ -8603,7 +8612,15 @@
             </a:r>
             <a:r>
               <a:rPr lang="es-CO" b="1" dirty="0" err="1"/>
-              <a:t>verfaulen</a:t>
+              <a:t>kaputt</a:t>
+            </a:r>
+            <a:r>
+              <a:rPr lang="es-CO" b="1" dirty="0"/>
+              <a:t> </a:t>
+            </a:r>
+            <a:r>
+              <a:rPr lang="es-CO" b="1" dirty="0" err="1"/>
+              <a:t>gehen</a:t>
             </a:r>
             <a:r>
               <a:rPr lang="es-CO" b="1" dirty="0"/>
@@ -8968,6 +8985,14 @@
             </a:r>
             <a:r>
               <a:rPr lang="es-CO" dirty="0"/>
+              <a:t> </a:t>
+            </a:r>
+            <a:r>
+              <a:rPr lang="es-CO" dirty="0" err="1"/>
+              <a:t>man</a:t>
+            </a:r>
+            <a:r>
+              <a:rPr lang="es-CO" dirty="0"/>
               <a:t> den </a:t>
             </a:r>
             <a:r>
@@ -9018,7 +9043,7 @@
             </a:r>
             <a:r>
               <a:rPr lang="es-CO" dirty="0" err="1"/>
-              <a:t>füllt</a:t>
+              <a:t>ist</a:t>
             </a:r>
             <a:r>
               <a:rPr lang="es-CO" dirty="0"/>
@@ -9030,7 +9055,15 @@
             </a:r>
             <a:r>
               <a:rPr lang="es-CO" dirty="0"/>
-              <a:t> Rauch</a:t>
+              <a:t> Rauch </a:t>
+            </a:r>
+            <a:r>
+              <a:rPr lang="es-CO" dirty="0" err="1"/>
+              <a:t>gefüllt</a:t>
+            </a:r>
+            <a:r>
+              <a:rPr lang="es-CO" dirty="0"/>
+              <a:t>.</a:t>
             </a:r>
           </a:p>
           <a:p>
@@ -9194,17 +9227,41 @@
         </p:spPr>
         <p:txBody>
           <a:bodyPr>
-            <a:normAutofit/>
+            <a:normAutofit lnSpcReduction="10000"/>
           </a:bodyPr>
           <a:lstStyle/>
           <a:p>
             <a:r>
               <a:rPr lang="es-CO" dirty="0" err="1"/>
-              <a:t>Kalter</a:t>
+              <a:t>Wenn</a:t>
             </a:r>
             <a:r>
               <a:rPr lang="es-CO" dirty="0"/>
-              <a:t> Rauch (28°C -32°C)</a:t>
+              <a:t> es </a:t>
+            </a:r>
+            <a:r>
+              <a:rPr lang="es-CO" dirty="0" err="1"/>
+              <a:t>kalt</a:t>
+            </a:r>
+            <a:r>
+              <a:rPr lang="es-CO" dirty="0"/>
+              <a:t> (28°C -32°C) </a:t>
+            </a:r>
+            <a:r>
+              <a:rPr lang="es-CO" dirty="0" err="1"/>
+              <a:t>geräuchert</a:t>
+            </a:r>
+            <a:r>
+              <a:rPr lang="es-CO" dirty="0"/>
+              <a:t> </a:t>
+            </a:r>
+            <a:r>
+              <a:rPr lang="es-CO" dirty="0" err="1"/>
+              <a:t>wird</a:t>
+            </a:r>
+            <a:r>
+              <a:rPr lang="es-CO" dirty="0"/>
+              <a:t>.</a:t>
             </a:r>
           </a:p>
         </p:txBody>
@@ -9249,16 +9306,42 @@
           </a:xfrm>
         </p:spPr>
         <p:txBody>
-          <a:bodyPr/>
+          <a:bodyPr>
+            <a:normAutofit lnSpcReduction="10000"/>
+          </a:bodyPr>
           <a:lstStyle/>
           <a:p>
             <a:r>
               <a:rPr lang="es-CO" dirty="0" err="1"/>
-              <a:t>Warmer</a:t>
+              <a:t>Wenn</a:t>
             </a:r>
             <a:r>
               <a:rPr lang="es-CO" dirty="0"/>
-              <a:t> Rauch (70°C-80°C)</a:t>
+              <a:t> es </a:t>
+            </a:r>
+            <a:r>
+              <a:rPr lang="es-CO" dirty="0" err="1"/>
+              <a:t>warm</a:t>
+            </a:r>
+            <a:r>
+              <a:rPr lang="es-CO" dirty="0"/>
+              <a:t> (70°C -80°C) </a:t>
+            </a:r>
+            <a:r>
+              <a:rPr lang="es-CO" dirty="0" err="1"/>
+              <a:t>geräuchert</a:t>
+            </a:r>
+            <a:r>
+              <a:rPr lang="es-CO" dirty="0"/>
+              <a:t> </a:t>
+            </a:r>
+            <a:r>
+              <a:rPr lang="es-CO" dirty="0" err="1"/>
+              <a:t>wird</a:t>
+            </a:r>
+            <a:r>
+              <a:rPr lang="es-CO" dirty="0"/>
+              <a:t>.</a:t>
             </a:r>
           </a:p>
         </p:txBody>

--- a/otrasMaterias/Präsentation.pptx
+++ b/otrasMaterias/Präsentation.pptx
@@ -6,12 +6,11 @@
   </p:sldMasterIdLst>
   <p:sldIdLst>
     <p:sldId id="256" r:id="rId2"/>
-    <p:sldId id="257" r:id="rId3"/>
-    <p:sldId id="258" r:id="rId4"/>
-    <p:sldId id="259" r:id="rId5"/>
-    <p:sldId id="260" r:id="rId6"/>
-    <p:sldId id="261" r:id="rId7"/>
-    <p:sldId id="262" r:id="rId8"/>
+    <p:sldId id="258" r:id="rId3"/>
+    <p:sldId id="259" r:id="rId4"/>
+    <p:sldId id="260" r:id="rId5"/>
+    <p:sldId id="261" r:id="rId6"/>
+    <p:sldId id="262" r:id="rId7"/>
   </p:sldIdLst>
   <p:sldSz cx="12192000" cy="6858000"/>
   <p:notesSz cx="6858000" cy="9144000"/>
@@ -118,6 +117,10 @@
 </p:presentation>
 </file>
 
+<file path=ppt/revisionInfo.xml><?xml version="1.0" encoding="utf-8"?>
+<p1510:revInfo xmlns:a="http://schemas.openxmlformats.org/drawingml/2006/main" xmlns:r="http://schemas.openxmlformats.org/officeDocument/2006/relationships" xmlns:p1510="http://schemas.microsoft.com/office/powerpoint/2015/10/main"/>
+</file>
+
 <file path=ppt/slideLayouts/slideLayout1.xml><?xml version="1.0" encoding="utf-8"?>
 <p:sldLayout xmlns:a="http://schemas.openxmlformats.org/drawingml/2006/main" xmlns:r="http://schemas.openxmlformats.org/officeDocument/2006/relationships" xmlns:p="http://schemas.openxmlformats.org/presentationml/2006/main" type="title" preserve="1">
   <p:cSld name="Title Slide">
@@ -392,7 +395,7 @@
           <a:p>
             <a:fld id="{78ABE3C1-DBE1-495D-B57B-2849774B866A}" type="datetimeFigureOut">
               <a:rPr lang="en-US" dirty="0"/>
-              <a:t>4/25/2017</a:t>
+              <a:t>4/28/2017</a:t>
             </a:fld>
             <a:endParaRPr lang="en-US" dirty="0"/>
           </a:p>
@@ -801,7 +804,7 @@
           <a:p>
             <a:fld id="{446C117F-5CCF-4837-BE5F-2B92066CAFAF}" type="datetimeFigureOut">
               <a:rPr lang="en-US" dirty="0"/>
-              <a:t>4/25/2017</a:t>
+              <a:t>4/28/2017</a:t>
             </a:fld>
             <a:endParaRPr lang="en-US" dirty="0"/>
           </a:p>
@@ -1132,7 +1135,7 @@
           <a:p>
             <a:fld id="{84EB90BD-B6CE-46B7-997F-7313B992CCDC}" type="datetimeFigureOut">
               <a:rPr lang="en-US" dirty="0"/>
-              <a:t>4/25/2017</a:t>
+              <a:t>4/28/2017</a:t>
             </a:fld>
             <a:endParaRPr lang="en-US" dirty="0"/>
           </a:p>
@@ -1532,7 +1535,7 @@
           <a:p>
             <a:fld id="{CDB9D11F-B188-461D-B23F-39381795C052}" type="datetimeFigureOut">
               <a:rPr lang="en-US" dirty="0"/>
-              <a:t>4/25/2017</a:t>
+              <a:t>4/28/2017</a:t>
             </a:fld>
             <a:endParaRPr lang="en-US" dirty="0"/>
           </a:p>
@@ -2095,7 +2098,7 @@
           <a:p>
             <a:fld id="{52E6D8D9-55A2-4063-B0F3-121F44549695}" type="datetimeFigureOut">
               <a:rPr lang="en-US" dirty="0"/>
-              <a:t>4/25/2017</a:t>
+              <a:t>4/28/2017</a:t>
             </a:fld>
             <a:endParaRPr lang="en-US" dirty="0"/>
           </a:p>
@@ -2771,7 +2774,7 @@
           <a:p>
             <a:fld id="{D4B24536-994D-4021-A283-9F449C0DB509}" type="datetimeFigureOut">
               <a:rPr lang="en-US" dirty="0"/>
-              <a:t>4/25/2017</a:t>
+              <a:t>4/28/2017</a:t>
             </a:fld>
             <a:endParaRPr lang="en-US" dirty="0"/>
           </a:p>
@@ -3679,7 +3682,7 @@
           <a:p>
             <a:fld id="{3CBBBB78-C96F-47B7-AB17-D852CA960AC9}" type="datetimeFigureOut">
               <a:rPr lang="en-US" dirty="0"/>
-              <a:t>4/25/2017</a:t>
+              <a:t>4/28/2017</a:t>
             </a:fld>
             <a:endParaRPr lang="en-US" dirty="0"/>
           </a:p>
@@ -3987,7 +3990,7 @@
           <a:p>
             <a:fld id="{1FA3F48C-C7C6-4055-9F49-3777875E72AE}" type="datetimeFigureOut">
               <a:rPr lang="en-US" dirty="0"/>
-              <a:t>4/25/2017</a:t>
+              <a:t>4/28/2017</a:t>
             </a:fld>
             <a:endParaRPr lang="en-US" dirty="0"/>
           </a:p>
@@ -4246,7 +4249,7 @@
           <a:p>
             <a:fld id="{6178E61D-D431-422C-9764-11DAFE33AB63}" type="datetimeFigureOut">
               <a:rPr lang="en-US" dirty="0"/>
-              <a:t>4/25/2017</a:t>
+              <a:t>4/28/2017</a:t>
             </a:fld>
             <a:endParaRPr lang="en-US" dirty="0"/>
           </a:p>
@@ -4565,7 +4568,7 @@
           <a:p>
             <a:fld id="{12DE42F4-6EEF-4EF7-8ED4-2208F0F89A08}" type="datetimeFigureOut">
               <a:rPr lang="en-US" dirty="0"/>
-              <a:t>4/25/2017</a:t>
+              <a:t>4/28/2017</a:t>
             </a:fld>
             <a:endParaRPr lang="en-US" dirty="0"/>
           </a:p>
@@ -4949,7 +4952,7 @@
           <a:p>
             <a:fld id="{30578ACC-22D6-47C1-A373-4FD133E34F3C}" type="datetimeFigureOut">
               <a:rPr lang="en-US" dirty="0"/>
-              <a:t>4/25/2017</a:t>
+              <a:t>4/28/2017</a:t>
             </a:fld>
             <a:endParaRPr lang="en-US" dirty="0"/>
           </a:p>
@@ -5320,7 +5323,7 @@
           <a:p>
             <a:fld id="{4E5A6C69-6797-4E8A-BF37-F2C3751466E9}" type="datetimeFigureOut">
               <a:rPr lang="en-US" dirty="0"/>
-              <a:t>4/25/2017</a:t>
+              <a:t>4/28/2017</a:t>
             </a:fld>
             <a:endParaRPr lang="en-US" dirty="0"/>
           </a:p>
@@ -5821,7 +5824,7 @@
           <a:p>
             <a:fld id="{D82014A1-A632-4878-A0D3-F52BA7563730}" type="datetimeFigureOut">
               <a:rPr lang="en-US" dirty="0"/>
-              <a:t>4/25/2017</a:t>
+              <a:t>4/28/2017</a:t>
             </a:fld>
             <a:endParaRPr lang="en-US" dirty="0"/>
           </a:p>
@@ -6073,7 +6076,7 @@
           <a:p>
             <a:fld id="{CE99F462-093F-4566-844B-4C71F2739DA5}" type="datetimeFigureOut">
               <a:rPr lang="en-US" dirty="0"/>
-              <a:t>4/25/2017</a:t>
+              <a:t>4/28/2017</a:t>
             </a:fld>
             <a:endParaRPr lang="en-US" dirty="0"/>
           </a:p>
@@ -6231,7 +6234,7 @@
           <a:p>
             <a:fld id="{3D24A7AC-904D-4781-85BA-7D10C17ED021}" type="datetimeFigureOut">
               <a:rPr lang="en-US" dirty="0"/>
-              <a:t>4/25/2017</a:t>
+              <a:t>4/28/2017</a:t>
             </a:fld>
             <a:endParaRPr lang="en-US" dirty="0"/>
           </a:p>
@@ -6616,7 +6619,7 @@
           <a:p>
             <a:fld id="{E331444B-B92B-4E27-8C94-BB93EAF5CB18}" type="datetimeFigureOut">
               <a:rPr lang="en-US" dirty="0"/>
-              <a:t>4/25/2017</a:t>
+              <a:t>4/28/2017</a:t>
             </a:fld>
             <a:endParaRPr lang="en-US" dirty="0"/>
           </a:p>
@@ -7020,7 +7023,7 @@
           <a:p>
             <a:fld id="{363EFA5E-FA76-400D-B3DC-F0BA90E6D107}" type="datetimeFigureOut">
               <a:rPr lang="en-US" dirty="0"/>
-              <a:t>4/25/2017</a:t>
+              <a:t>4/28/2017</a:t>
             </a:fld>
             <a:endParaRPr lang="en-US" dirty="0"/>
           </a:p>
@@ -7259,7 +7262,7 @@
           <a:p>
             <a:fld id="{9D6E9DEC-419B-4CC5-A080-3B06BD5A8291}" type="datetimeFigureOut">
               <a:rPr lang="en-US" dirty="0"/>
-              <a:t>4/25/2017</a:t>
+              <a:t>4/28/2017</a:t>
             </a:fld>
             <a:endParaRPr lang="en-US" dirty="0"/>
           </a:p>
@@ -7674,7 +7677,7 @@
             <a:spLocks noGrp="1"/>
           </p:cNvSpPr>
           <p:nvPr>
-            <p:ph type="ctrTitle"/>
+            <p:ph type="title"/>
           </p:nvPr>
         </p:nvSpPr>
         <p:spPr/>
@@ -7682,9 +7685,10 @@
           <a:bodyPr/>
           <a:lstStyle/>
           <a:p>
+            <a:pPr algn="ctr"/>
             <a:r>
               <a:rPr lang="es-CO" dirty="0" err="1"/>
-              <a:t>Präsentation</a:t>
+              <a:t>Räucherfisch</a:t>
             </a:r>
             <a:endParaRPr lang="es-CO" dirty="0"/>
           </a:p>
@@ -7697,14 +7701,43 @@
             <a:spLocks noGrp="1"/>
           </p:cNvSpPr>
           <p:nvPr>
-            <p:ph type="subTitle" idx="1"/>
-          </p:nvPr>
-        </p:nvSpPr>
-        <p:spPr/>
+            <p:ph sz="half" idx="1"/>
+          </p:nvPr>
+        </p:nvSpPr>
+        <p:spPr>
+          <a:xfrm>
+            <a:off x="680320" y="2336873"/>
+            <a:ext cx="6017042" cy="4212208"/>
+          </a:xfrm>
+        </p:spPr>
         <p:txBody>
           <a:bodyPr/>
           <a:lstStyle/>
           <a:p>
+            <a:endParaRPr lang="es-CO" dirty="0"/>
+          </a:p>
+        </p:txBody>
+      </p:sp>
+      <p:sp>
+        <p:nvSpPr>
+          <p:cNvPr id="4" name="Content Placeholder 3"/>
+          <p:cNvSpPr>
+            <a:spLocks noGrp="1"/>
+          </p:cNvSpPr>
+          <p:nvPr>
+            <p:ph sz="half" idx="2"/>
+          </p:nvPr>
+        </p:nvSpPr>
+        <p:spPr>
+          <a:xfrm>
+            <a:off x="7722972" y="2607275"/>
+            <a:ext cx="4115803" cy="1574254"/>
+          </a:xfrm>
+        </p:spPr>
+        <p:txBody>
+          <a:bodyPr/>
+          <a:lstStyle/>
+          <a:p>
             <a:r>
               <a:rPr lang="es-CO" dirty="0"/>
               <a:t>Javier Alejandro Acevedo Barroso</a:t>
@@ -7725,8 +7758,35 @@
             </a:r>
             <a:endParaRPr lang="es-CO" dirty="0"/>
           </a:p>
-        </p:txBody>
-      </p:sp>
+          <a:p>
+            <a:endParaRPr lang="es-CO" dirty="0"/>
+          </a:p>
+        </p:txBody>
+      </p:sp>
+      <p:pic>
+        <p:nvPicPr>
+          <p:cNvPr id="5" name="Content Placeholder 4"/>
+          <p:cNvPicPr>
+            <a:picLocks noChangeAspect="1"/>
+          </p:cNvPicPr>
+          <p:nvPr/>
+        </p:nvPicPr>
+        <p:blipFill>
+          <a:blip r:embed="rId2"/>
+          <a:stretch>
+            <a:fillRect/>
+          </a:stretch>
+        </p:blipFill>
+        <p:spPr>
+          <a:xfrm>
+            <a:off x="890501" y="2336873"/>
+            <a:ext cx="6229350" cy="2981325"/>
+          </a:xfrm>
+          <a:prstGeom prst="rect">
+            <a:avLst/>
+          </a:prstGeom>
+        </p:spPr>
+      </p:pic>
     </p:spTree>
     <p:extLst>
       <p:ext uri="{BB962C8B-B14F-4D97-AF65-F5344CB8AC3E}">
@@ -7775,164 +7835,56 @@
             <a:pPr algn="ctr"/>
             <a:r>
               <a:rPr lang="es-CO" dirty="0" err="1"/>
+              <a:t>Was</a:t>
+            </a:r>
+            <a:r>
+              <a:rPr lang="es-CO" dirty="0"/>
+              <a:t> </a:t>
+            </a:r>
+            <a:r>
+              <a:rPr lang="es-CO" dirty="0" err="1"/>
+              <a:t>ist</a:t>
+            </a:r>
+            <a:r>
+              <a:rPr lang="es-CO" dirty="0"/>
+              <a:t> </a:t>
+            </a:r>
+            <a:r>
+              <a:rPr lang="es-CO" dirty="0" err="1"/>
               <a:t>Räucherfisch</a:t>
             </a:r>
-            <a:endParaRPr lang="es-CO" dirty="0"/>
-          </a:p>
-        </p:txBody>
-      </p:sp>
-      <p:pic>
-        <p:nvPicPr>
-          <p:cNvPr id="5" name="Content Placeholder 4"/>
-          <p:cNvPicPr>
-            <a:picLocks noGrp="1" noChangeAspect="1"/>
-          </p:cNvPicPr>
-          <p:nvPr>
-            <p:ph idx="1"/>
-          </p:nvPr>
-        </p:nvPicPr>
-        <p:blipFill>
-          <a:blip r:embed="rId2"/>
-          <a:stretch>
-            <a:fillRect/>
-          </a:stretch>
-        </p:blipFill>
-        <p:spPr>
-          <a:xfrm>
-            <a:off x="2373313" y="2645569"/>
-            <a:ext cx="6229350" cy="2981325"/>
-          </a:xfrm>
-        </p:spPr>
-      </p:pic>
-    </p:spTree>
-    <p:extLst>
-      <p:ext uri="{BB962C8B-B14F-4D97-AF65-F5344CB8AC3E}">
-        <p14:creationId xmlns:p14="http://schemas.microsoft.com/office/powerpoint/2010/main" val="590278135"/>
-      </p:ext>
-    </p:extLst>
-  </p:cSld>
-  <p:clrMapOvr>
-    <a:masterClrMapping/>
-  </p:clrMapOvr>
-</p:sld>
-</file>
-
-<file path=ppt/slides/slide3.xml><?xml version="1.0" encoding="utf-8"?>
-<p:sld xmlns:a="http://schemas.openxmlformats.org/drawingml/2006/main" xmlns:r="http://schemas.openxmlformats.org/officeDocument/2006/relationships" xmlns:p="http://schemas.openxmlformats.org/presentationml/2006/main">
-  <p:cSld>
-    <p:spTree>
-      <p:nvGrpSpPr>
-        <p:cNvPr id="1" name=""/>
-        <p:cNvGrpSpPr/>
-        <p:nvPr/>
-      </p:nvGrpSpPr>
-      <p:grpSpPr>
-        <a:xfrm>
-          <a:off x="0" y="0"/>
-          <a:ext cx="0" cy="0"/>
-          <a:chOff x="0" y="0"/>
-          <a:chExt cx="0" cy="0"/>
-        </a:xfrm>
-      </p:grpSpPr>
-      <p:sp>
-        <p:nvSpPr>
-          <p:cNvPr id="2" name="Title 1"/>
-          <p:cNvSpPr>
-            <a:spLocks noGrp="1"/>
-          </p:cNvSpPr>
-          <p:nvPr>
-            <p:ph type="title"/>
-          </p:nvPr>
-        </p:nvSpPr>
-        <p:spPr/>
+            <a:r>
+              <a:rPr lang="es-CO" dirty="0"/>
+              <a:t>?</a:t>
+            </a:r>
+          </a:p>
+        </p:txBody>
+      </p:sp>
+      <p:sp>
+        <p:nvSpPr>
+          <p:cNvPr id="4" name="Content Placeholder 3"/>
+          <p:cNvSpPr>
+            <a:spLocks noGrp="1"/>
+          </p:cNvSpPr>
+          <p:nvPr>
+            <p:ph sz="half" idx="1"/>
+          </p:nvPr>
+        </p:nvSpPr>
+        <p:spPr>
+          <a:xfrm>
+            <a:off x="788893" y="2027954"/>
+            <a:ext cx="4698358" cy="3599316"/>
+          </a:xfrm>
+        </p:spPr>
         <p:txBody>
           <a:bodyPr/>
           <a:lstStyle/>
           <a:p>
-            <a:pPr algn="ctr"/>
-            <a:r>
-              <a:rPr lang="es-CO" dirty="0" err="1"/>
-              <a:t>Was</a:t>
-            </a:r>
-            <a:r>
-              <a:rPr lang="es-CO" dirty="0"/>
-              <a:t> </a:t>
-            </a:r>
-            <a:r>
-              <a:rPr lang="es-CO" dirty="0" err="1"/>
-              <a:t>ist</a:t>
-            </a:r>
-            <a:r>
-              <a:rPr lang="es-CO" dirty="0"/>
-              <a:t> </a:t>
-            </a:r>
-            <a:r>
-              <a:rPr lang="es-CO" dirty="0" err="1"/>
-              <a:t>Räucherfisch</a:t>
-            </a:r>
-            <a:r>
-              <a:rPr lang="es-CO" dirty="0"/>
-              <a:t>?</a:t>
-            </a:r>
-          </a:p>
-        </p:txBody>
-      </p:sp>
-      <p:sp>
-        <p:nvSpPr>
-          <p:cNvPr id="4" name="Content Placeholder 3"/>
-          <p:cNvSpPr>
-            <a:spLocks noGrp="1"/>
-          </p:cNvSpPr>
-          <p:nvPr>
-            <p:ph sz="half" idx="1"/>
-          </p:nvPr>
-        </p:nvSpPr>
-        <p:spPr>
-          <a:xfrm>
-            <a:off x="788893" y="2027954"/>
-            <a:ext cx="4698358" cy="3599316"/>
-          </a:xfrm>
-        </p:spPr>
-        <p:txBody>
-          <a:bodyPr/>
-          <a:lstStyle/>
-          <a:p>
-            <a:r>
-              <a:rPr lang="es-CO" dirty="0"/>
-              <a:t>Es </a:t>
-            </a:r>
-            <a:r>
-              <a:rPr lang="es-CO" dirty="0" err="1"/>
-              <a:t>ist</a:t>
-            </a:r>
-            <a:r>
-              <a:rPr lang="es-CO" dirty="0"/>
-              <a:t> </a:t>
-            </a:r>
-            <a:r>
-              <a:rPr lang="es-CO" dirty="0" err="1"/>
-              <a:t>nur</a:t>
-            </a:r>
-            <a:r>
-              <a:rPr lang="es-CO" dirty="0"/>
-              <a:t> </a:t>
-            </a:r>
-            <a:r>
-              <a:rPr lang="es-CO" dirty="0" err="1"/>
-              <a:t>geräuchert</a:t>
-            </a:r>
-            <a:r>
-              <a:rPr lang="es-CO" dirty="0"/>
-              <a:t> </a:t>
-            </a:r>
-            <a:r>
-              <a:rPr lang="es-CO" dirty="0" err="1"/>
-              <a:t>Fisch</a:t>
-            </a:r>
-            <a:r>
-              <a:rPr lang="es-CO" dirty="0"/>
-              <a:t>.</a:t>
-            </a:r>
+            <a:r>
+              <a:rPr lang="de-DE" dirty="0"/>
+              <a:t>Nur geräuchert.</a:t>
+            </a:r>
+            <a:endParaRPr lang="es-CO" dirty="0"/>
           </a:p>
           <a:p>
             <a:endParaRPr lang="es-CO" dirty="0"/>
@@ -8152,12 +8104,35 @@
           </a:lstStyle>
           <a:p>
             <a:r>
-              <a:rPr lang="es-CO" dirty="0"/>
-              <a:t>Es </a:t>
-            </a:r>
+              <a:rPr lang="en-US" dirty="0" err="1"/>
+              <a:t>Altes</a:t>
+            </a:r>
+            <a:r>
+              <a:rPr lang="en-US" dirty="0"/>
+              <a:t> </a:t>
+            </a:r>
+            <a:r>
+              <a:rPr lang="en-US" dirty="0" err="1"/>
+              <a:t>Gerricht</a:t>
+            </a:r>
+            <a:r>
+              <a:rPr lang="en-US" dirty="0"/>
+              <a:t>.</a:t>
+            </a:r>
+          </a:p>
+          <a:p>
+            <a:pPr marL="0" indent="0">
+              <a:buNone/>
+            </a:pPr>
+            <a:r>
+              <a:rPr lang="en-US" dirty="0"/>
+              <a:t> </a:t>
+            </a:r>
+          </a:p>
+          <a:p>
             <a:r>
               <a:rPr lang="es-CO" dirty="0" err="1"/>
-              <a:t>ist</a:t>
+              <a:t>Tausende</a:t>
             </a:r>
             <a:r>
               <a:rPr lang="es-CO" dirty="0"/>
@@ -8165,23 +8140,7 @@
             </a:r>
             <a:r>
               <a:rPr lang="es-CO" dirty="0" err="1"/>
-              <a:t>ein</a:t>
-            </a:r>
-            <a:r>
-              <a:rPr lang="es-CO" dirty="0"/>
-              <a:t> </a:t>
-            </a:r>
-            <a:r>
-              <a:rPr lang="es-CO" dirty="0" err="1"/>
-              <a:t>altes</a:t>
-            </a:r>
-            <a:r>
-              <a:rPr lang="es-CO" dirty="0"/>
-              <a:t> </a:t>
-            </a:r>
-            <a:r>
-              <a:rPr lang="es-CO" dirty="0" err="1"/>
-              <a:t>Gerricht</a:t>
+              <a:t>Jahres</a:t>
             </a:r>
             <a:r>
               <a:rPr lang="es-CO" dirty="0"/>
@@ -8189,156 +8148,18 @@
             </a:r>
           </a:p>
           <a:p>
-            <a:r>
-              <a:rPr lang="es-CO" dirty="0"/>
-              <a:t>Die </a:t>
-            </a:r>
-            <a:r>
-              <a:rPr lang="es-CO" dirty="0" err="1"/>
-              <a:t>Menschheit</a:t>
-            </a:r>
-            <a:r>
-              <a:rPr lang="es-CO" dirty="0"/>
-              <a:t> </a:t>
-            </a:r>
-            <a:r>
-              <a:rPr lang="es-CO" dirty="0" err="1"/>
-              <a:t>hat</a:t>
-            </a:r>
-            <a:r>
-              <a:rPr lang="es-CO" dirty="0"/>
-              <a:t> </a:t>
-            </a:r>
-            <a:r>
-              <a:rPr lang="es-CO" dirty="0" err="1"/>
-              <a:t>für</a:t>
-            </a:r>
-            <a:r>
-              <a:rPr lang="es-CO" dirty="0"/>
-              <a:t> </a:t>
-            </a:r>
-            <a:r>
-              <a:rPr lang="es-CO" dirty="0" err="1"/>
-              <a:t>Tausende</a:t>
-            </a:r>
-            <a:r>
-              <a:rPr lang="es-CO" dirty="0"/>
-              <a:t> </a:t>
-            </a:r>
-            <a:r>
-              <a:rPr lang="es-CO" dirty="0" err="1"/>
-              <a:t>Jahres</a:t>
-            </a:r>
-            <a:r>
-              <a:rPr lang="es-CO" dirty="0"/>
-              <a:t> </a:t>
-            </a:r>
-            <a:r>
-              <a:rPr lang="es-CO" dirty="0" err="1"/>
-              <a:t>Fleisch</a:t>
-            </a:r>
-            <a:r>
-              <a:rPr lang="es-CO" dirty="0"/>
-              <a:t> </a:t>
-            </a:r>
-            <a:r>
-              <a:rPr lang="es-CO" dirty="0" err="1"/>
-              <a:t>geräuchert</a:t>
-            </a:r>
-            <a:r>
-              <a:rPr lang="es-CO" dirty="0"/>
-              <a:t>.</a:t>
-            </a:r>
-          </a:p>
-          <a:p>
-            <a:r>
-              <a:rPr lang="es-CO" dirty="0" err="1"/>
-              <a:t>Heute</a:t>
-            </a:r>
-            <a:r>
-              <a:rPr lang="es-CO" dirty="0"/>
-              <a:t> </a:t>
-            </a:r>
-            <a:r>
-              <a:rPr lang="es-CO" dirty="0" err="1"/>
-              <a:t>haben</a:t>
-            </a:r>
-            <a:r>
-              <a:rPr lang="es-CO" dirty="0"/>
-              <a:t> </a:t>
-            </a:r>
-            <a:r>
-              <a:rPr lang="es-CO" dirty="0" err="1"/>
-              <a:t>wir</a:t>
-            </a:r>
-            <a:r>
-              <a:rPr lang="es-CO" dirty="0"/>
-              <a:t> </a:t>
-            </a:r>
-            <a:r>
-              <a:rPr lang="es-CO" dirty="0" err="1"/>
-              <a:t>Kühlschranke</a:t>
-            </a:r>
-            <a:r>
-              <a:rPr lang="es-CO" dirty="0"/>
-              <a:t>, </a:t>
-            </a:r>
-            <a:r>
-              <a:rPr lang="es-CO" dirty="0" err="1"/>
-              <a:t>dann</a:t>
-            </a:r>
-            <a:r>
-              <a:rPr lang="es-CO" dirty="0"/>
-              <a:t> </a:t>
-            </a:r>
-            <a:r>
-              <a:rPr lang="es-CO" dirty="0" err="1"/>
-              <a:t>brauchen</a:t>
-            </a:r>
-            <a:r>
-              <a:rPr lang="es-CO" dirty="0"/>
-              <a:t> </a:t>
-            </a:r>
-            <a:r>
-              <a:rPr lang="es-CO" dirty="0" err="1"/>
-              <a:t>wir</a:t>
-            </a:r>
-            <a:r>
-              <a:rPr lang="es-CO" dirty="0"/>
-              <a:t> </a:t>
-            </a:r>
-            <a:r>
-              <a:rPr lang="es-CO" dirty="0" err="1"/>
-              <a:t>nicht</a:t>
-            </a:r>
-            <a:r>
-              <a:rPr lang="es-CO" dirty="0"/>
-              <a:t> </a:t>
-            </a:r>
-            <a:r>
-              <a:rPr lang="es-CO" dirty="0" err="1"/>
-              <a:t>mehr</a:t>
-            </a:r>
-            <a:r>
-              <a:rPr lang="es-CO" dirty="0"/>
-              <a:t> </a:t>
-            </a:r>
-            <a:r>
-              <a:rPr lang="es-CO" dirty="0" err="1"/>
-              <a:t>Fleisch</a:t>
-            </a:r>
-            <a:r>
-              <a:rPr lang="es-CO" dirty="0"/>
-              <a:t> </a:t>
-            </a:r>
-            <a:r>
-              <a:rPr lang="es-CO" dirty="0" err="1"/>
-              <a:t>räuchern</a:t>
-            </a:r>
-            <a:r>
-              <a:rPr lang="es-CO" dirty="0"/>
-              <a:t>.</a:t>
-            </a:r>
+            <a:endParaRPr lang="es-CO" dirty="0"/>
+          </a:p>
+          <a:p>
+            <a:r>
+              <a:rPr lang="en-US" dirty="0" err="1"/>
+              <a:t>Kühlschränke</a:t>
+            </a:r>
+            <a:r>
+              <a:rPr lang="de-DE" dirty="0"/>
+              <a:t> haben. brauchen kein Räucherfisch</a:t>
+            </a:r>
+            <a:endParaRPr lang="es-CO" dirty="0"/>
           </a:p>
           <a:p>
             <a:endParaRPr lang="es-CO" dirty="0"/>
@@ -8364,7 +8185,7 @@
 </p:sld>
 </file>
 
-<file path=ppt/slides/slide4.xml><?xml version="1.0" encoding="utf-8"?>
+<file path=ppt/slides/slide3.xml><?xml version="1.0" encoding="utf-8"?>
 <p:sld xmlns:a="http://schemas.openxmlformats.org/drawingml/2006/main" xmlns:r="http://schemas.openxmlformats.org/officeDocument/2006/relationships" xmlns:p="http://schemas.openxmlformats.org/presentationml/2006/main">
   <p:cSld>
     <p:spTree>
@@ -8417,7 +8238,9 @@
         </p:nvSpPr>
         <p:spPr/>
         <p:txBody>
-          <a:bodyPr/>
+          <a:bodyPr>
+            <a:normAutofit lnSpcReduction="10000"/>
+          </a:bodyPr>
           <a:lstStyle/>
           <a:p>
             <a:r>
@@ -8426,11 +8249,11 @@
             </a:r>
             <a:r>
               <a:rPr lang="es-CO" b="1" dirty="0"/>
-              <a:t> </a:t>
+              <a:t>, </a:t>
             </a:r>
             <a:r>
               <a:rPr lang="es-CO" b="1" dirty="0" err="1"/>
-              <a:t>hattendamals</a:t>
+              <a:t>keinen</a:t>
             </a:r>
             <a:r>
               <a:rPr lang="es-CO" b="1" dirty="0"/>
@@ -8438,7 +8261,20 @@
             </a:r>
             <a:r>
               <a:rPr lang="es-CO" b="1" dirty="0" err="1"/>
-              <a:t>keinen</a:t>
+              <a:t>Schornstein</a:t>
+            </a:r>
+            <a:r>
+              <a:rPr lang="es-CO" b="1" dirty="0"/>
+              <a:t>.</a:t>
+            </a:r>
+          </a:p>
+          <a:p>
+            <a:endParaRPr lang="es-CO" b="1" dirty="0"/>
+          </a:p>
+          <a:p>
+            <a:r>
+              <a:rPr lang="es-CO" b="1" dirty="0" err="1"/>
+              <a:t>Räuchern</a:t>
             </a:r>
             <a:r>
               <a:rPr lang="es-CO" b="1" dirty="0"/>
@@ -8446,7 +8282,31 @@
             </a:r>
             <a:r>
               <a:rPr lang="es-CO" b="1" dirty="0" err="1"/>
-              <a:t>Schornstein</a:t>
+              <a:t>und</a:t>
+            </a:r>
+            <a:r>
+              <a:rPr lang="es-CO" b="1" dirty="0"/>
+              <a:t> </a:t>
+            </a:r>
+            <a:r>
+              <a:rPr lang="es-CO" b="1" dirty="0" err="1"/>
+              <a:t>einsalzen</a:t>
+            </a:r>
+            <a:r>
+              <a:rPr lang="es-CO" b="1" dirty="0"/>
+              <a:t> vs </a:t>
+            </a:r>
+            <a:r>
+              <a:rPr lang="es-CO" b="1" dirty="0" err="1"/>
+              <a:t>nur</a:t>
+            </a:r>
+            <a:r>
+              <a:rPr lang="es-CO" b="1" dirty="0"/>
+              <a:t> </a:t>
+            </a:r>
+            <a:r>
+              <a:rPr lang="es-CO" b="1" dirty="0" err="1"/>
+              <a:t>einsalzen</a:t>
             </a:r>
             <a:r>
               <a:rPr lang="es-CO" b="1" dirty="0"/>
@@ -8454,9 +8314,12 @@
             </a:r>
           </a:p>
           <a:p>
+            <a:endParaRPr lang="es-CO" b="1" dirty="0"/>
+          </a:p>
+          <a:p>
             <a:r>
               <a:rPr lang="es-CO" b="1" dirty="0" err="1"/>
-              <a:t>Räuchern</a:t>
+              <a:t>Anders</a:t>
             </a:r>
             <a:r>
               <a:rPr lang="es-CO" b="1" dirty="0"/>
@@ -8464,55 +8327,7 @@
             </a:r>
             <a:r>
               <a:rPr lang="es-CO" b="1" dirty="0" err="1"/>
-              <a:t>und</a:t>
-            </a:r>
-            <a:r>
-              <a:rPr lang="es-CO" b="1" dirty="0"/>
-              <a:t> </a:t>
-            </a:r>
-            <a:r>
-              <a:rPr lang="es-CO" b="1" dirty="0" err="1"/>
-              <a:t>einsalzen</a:t>
-            </a:r>
-            <a:r>
-              <a:rPr lang="es-CO" b="1" dirty="0"/>
-              <a:t> </a:t>
-            </a:r>
-            <a:r>
-              <a:rPr lang="es-CO" b="1" dirty="0" err="1"/>
-              <a:t>war</a:t>
-            </a:r>
-            <a:r>
-              <a:rPr lang="es-CO" b="1" dirty="0"/>
-              <a:t> </a:t>
-            </a:r>
-            <a:r>
-              <a:rPr lang="es-CO" b="1" dirty="0" err="1"/>
-              <a:t>besser</a:t>
-            </a:r>
-            <a:r>
-              <a:rPr lang="es-CO" b="1" dirty="0"/>
-              <a:t> </a:t>
-            </a:r>
-            <a:r>
-              <a:rPr lang="es-CO" b="1" dirty="0" err="1"/>
-              <a:t>als</a:t>
-            </a:r>
-            <a:r>
-              <a:rPr lang="es-CO" b="1" dirty="0"/>
-              <a:t> </a:t>
-            </a:r>
-            <a:r>
-              <a:rPr lang="es-CO" b="1" dirty="0" err="1"/>
-              <a:t>nur</a:t>
-            </a:r>
-            <a:r>
-              <a:rPr lang="es-CO" b="1" dirty="0"/>
-              <a:t> </a:t>
-            </a:r>
-            <a:r>
-              <a:rPr lang="es-CO" b="1" dirty="0" err="1"/>
-              <a:t>einsalzen</a:t>
+              <a:t>schmecken</a:t>
             </a:r>
             <a:r>
               <a:rPr lang="es-CO" b="1" dirty="0"/>
@@ -8520,88 +8335,9 @@
             </a:r>
           </a:p>
           <a:p>
-            <a:r>
-              <a:rPr lang="es-CO" b="1" dirty="0" err="1"/>
-              <a:t>Fleisch</a:t>
-            </a:r>
-            <a:r>
-              <a:rPr lang="es-CO" b="1" dirty="0"/>
-              <a:t> </a:t>
-            </a:r>
-            <a:r>
-              <a:rPr lang="es-CO" b="1" dirty="0" err="1"/>
-              <a:t>schmeckt</a:t>
-            </a:r>
-            <a:r>
-              <a:rPr lang="es-CO" b="1" dirty="0"/>
-              <a:t> </a:t>
-            </a:r>
-            <a:r>
-              <a:rPr lang="es-CO" b="1" dirty="0" err="1"/>
-              <a:t>anders</a:t>
-            </a:r>
-            <a:r>
-              <a:rPr lang="es-CO" b="1" dirty="0"/>
-              <a:t> </a:t>
-            </a:r>
-            <a:r>
-              <a:rPr lang="es-CO" b="1" dirty="0" err="1"/>
-              <a:t>wenn</a:t>
-            </a:r>
-            <a:r>
-              <a:rPr lang="es-CO" b="1" dirty="0"/>
-              <a:t> </a:t>
-            </a:r>
-            <a:r>
-              <a:rPr lang="es-CO" b="1" dirty="0" err="1"/>
-              <a:t>geräuchert</a:t>
-            </a:r>
-            <a:r>
-              <a:rPr lang="es-CO" b="1" dirty="0"/>
-              <a:t>.</a:t>
-            </a:r>
-          </a:p>
-          <a:p>
-            <a:r>
-              <a:rPr lang="es-CO" b="1" dirty="0" err="1"/>
-              <a:t>Für</a:t>
-            </a:r>
-            <a:r>
-              <a:rPr lang="es-CO" b="1" dirty="0"/>
-              <a:t> </a:t>
-            </a:r>
-            <a:r>
-              <a:rPr lang="es-CO" b="1" dirty="0" err="1"/>
-              <a:t>eine</a:t>
-            </a:r>
-            <a:r>
-              <a:rPr lang="es-CO" b="1" dirty="0"/>
-              <a:t> </a:t>
-            </a:r>
-            <a:r>
-              <a:rPr lang="es-CO" b="1" dirty="0" err="1"/>
-              <a:t>Weile</a:t>
-            </a:r>
-            <a:r>
-              <a:rPr lang="es-CO" b="1" dirty="0"/>
-              <a:t> </a:t>
-            </a:r>
-            <a:r>
-              <a:rPr lang="es-CO" b="1" dirty="0" err="1"/>
-              <a:t>kann</a:t>
-            </a:r>
-            <a:r>
-              <a:rPr lang="es-CO" b="1" dirty="0"/>
-              <a:t> </a:t>
-            </a:r>
-            <a:r>
-              <a:rPr lang="es-CO" b="1" dirty="0" err="1"/>
-              <a:t>Fleisch</a:t>
-            </a:r>
-            <a:r>
-              <a:rPr lang="es-CO" b="1" dirty="0"/>
-              <a:t> </a:t>
-            </a:r>
+            <a:endParaRPr lang="es-CO" b="1" dirty="0"/>
+          </a:p>
+          <a:p>
             <a:r>
               <a:rPr lang="es-CO" b="1" dirty="0" err="1"/>
               <a:t>nicht</a:t>
@@ -8662,8 +8398,8 @@
         </p:nvSpPr>
         <p:spPr bwMode="auto">
           <a:xfrm>
-            <a:off x="0" y="0"/>
-            <a:ext cx="12192000" cy="0"/>
+            <a:off x="0" y="-461665"/>
+            <a:ext cx="646331" cy="923330"/>
           </a:xfrm>
           <a:prstGeom prst="rect">
             <a:avLst/>
@@ -8727,7 +8463,7 @@
               <a:buNone/>
               <a:tabLst/>
             </a:pPr>
-            <a:endParaRPr kumimoji="0" lang="es-CO" altLang="es-CO" sz="1800" b="0" i="0" u="none" strike="noStrike" cap="none" normalizeH="0" baseline="0">
+            <a:endParaRPr kumimoji="0" lang="es-CO" altLang="es-CO" sz="1800" b="0" i="0" u="none" strike="noStrike" cap="none" normalizeH="0" baseline="0" dirty="0">
               <a:ln>
                 <a:noFill/>
               </a:ln>
@@ -8755,21 +8491,7 @@
               <a:buNone/>
               <a:tabLst/>
             </a:pPr>
-            <a:r>
-              <a:rPr kumimoji="0" lang="es-CO" altLang="es-CO" sz="1800" b="0" i="0" u="none" strike="noStrike" cap="none" normalizeH="0" baseline="0">
-                <a:ln>
-                  <a:noFill/>
-                </a:ln>
-                <a:solidFill>
-                  <a:schemeClr val="tx1"/>
-                </a:solidFill>
-                <a:effectLst/>
-                <a:latin typeface="Arial" panose="020B0604020202020204" pitchFamily="34" charset="0"/>
-                <a:hlinkClick r:id="rId3"/>
-              </a:rPr>
-              <a:t>Schornstein</a:t>
-            </a:r>
-            <a:endParaRPr kumimoji="0" lang="es-CO" altLang="es-CO" sz="1800" b="0" i="0" u="none" strike="noStrike" cap="none" normalizeH="0" baseline="0">
+            <a:endParaRPr kumimoji="0" lang="es-CO" altLang="es-CO" sz="1800" b="0" i="0" u="none" strike="noStrike" cap="none" normalizeH="0" baseline="0" dirty="0">
               <a:ln>
                 <a:noFill/>
               </a:ln>
@@ -8797,7 +8519,7 @@
               <a:buNone/>
               <a:tabLst/>
             </a:pPr>
-            <a:endParaRPr kumimoji="0" lang="es-CO" altLang="es-CO" sz="1800" b="0" i="0" u="none" strike="noStrike" cap="none" normalizeH="0" baseline="0">
+            <a:endParaRPr kumimoji="0" lang="es-CO" altLang="es-CO" sz="1800" b="0" i="0" u="none" strike="noStrike" cap="none" normalizeH="0" baseline="0" dirty="0">
               <a:ln>
                 <a:noFill/>
               </a:ln>
@@ -8814,6 +8536,254 @@
     <p:extLst>
       <p:ext uri="{BB962C8B-B14F-4D97-AF65-F5344CB8AC3E}">
         <p14:creationId xmlns:p14="http://schemas.microsoft.com/office/powerpoint/2010/main" val="3265861257"/>
+      </p:ext>
+    </p:extLst>
+  </p:cSld>
+  <p:clrMapOvr>
+    <a:masterClrMapping/>
+  </p:clrMapOvr>
+</p:sld>
+</file>
+
+<file path=ppt/slides/slide4.xml><?xml version="1.0" encoding="utf-8"?>
+<p:sld xmlns:a="http://schemas.openxmlformats.org/drawingml/2006/main" xmlns:r="http://schemas.openxmlformats.org/officeDocument/2006/relationships" xmlns:p="http://schemas.openxmlformats.org/presentationml/2006/main">
+  <p:cSld>
+    <p:spTree>
+      <p:nvGrpSpPr>
+        <p:cNvPr id="1" name=""/>
+        <p:cNvGrpSpPr/>
+        <p:nvPr/>
+      </p:nvGrpSpPr>
+      <p:grpSpPr>
+        <a:xfrm>
+          <a:off x="0" y="0"/>
+          <a:ext cx="0" cy="0"/>
+          <a:chOff x="0" y="0"/>
+          <a:chExt cx="0" cy="0"/>
+        </a:xfrm>
+      </p:grpSpPr>
+      <p:sp>
+        <p:nvSpPr>
+          <p:cNvPr id="2" name="Title 1"/>
+          <p:cNvSpPr>
+            <a:spLocks noGrp="1"/>
+          </p:cNvSpPr>
+          <p:nvPr>
+            <p:ph type="title"/>
+          </p:nvPr>
+        </p:nvSpPr>
+        <p:spPr/>
+        <p:txBody>
+          <a:bodyPr/>
+          <a:lstStyle/>
+          <a:p>
+            <a:pPr algn="ctr"/>
+            <a:r>
+              <a:rPr lang="es-CO" dirty="0" err="1"/>
+              <a:t>Wie</a:t>
+            </a:r>
+            <a:r>
+              <a:rPr lang="es-CO" dirty="0"/>
+              <a:t> </a:t>
+            </a:r>
+            <a:r>
+              <a:rPr lang="es-CO" dirty="0" err="1"/>
+              <a:t>ist</a:t>
+            </a:r>
+            <a:r>
+              <a:rPr lang="es-CO" dirty="0"/>
+              <a:t> </a:t>
+            </a:r>
+            <a:r>
+              <a:rPr lang="es-CO" dirty="0" err="1"/>
+              <a:t>gemacht</a:t>
+            </a:r>
+            <a:r>
+              <a:rPr lang="es-CO" dirty="0"/>
+              <a:t>?</a:t>
+            </a:r>
+          </a:p>
+        </p:txBody>
+      </p:sp>
+      <p:pic>
+        <p:nvPicPr>
+          <p:cNvPr id="6" name="Content Placeholder 5"/>
+          <p:cNvPicPr>
+            <a:picLocks noGrp="1" noChangeAspect="1"/>
+          </p:cNvPicPr>
+          <p:nvPr>
+            <p:ph sz="half" idx="1"/>
+          </p:nvPr>
+        </p:nvPicPr>
+        <p:blipFill>
+          <a:blip r:embed="rId2"/>
+          <a:stretch>
+            <a:fillRect/>
+          </a:stretch>
+        </p:blipFill>
+        <p:spPr>
+          <a:xfrm>
+            <a:off x="680321" y="2336873"/>
+            <a:ext cx="4697412" cy="3523059"/>
+          </a:xfrm>
+        </p:spPr>
+      </p:pic>
+      <p:sp>
+        <p:nvSpPr>
+          <p:cNvPr id="4" name="Content Placeholder 3"/>
+          <p:cNvSpPr>
+            <a:spLocks noGrp="1"/>
+          </p:cNvSpPr>
+          <p:nvPr>
+            <p:ph sz="half" idx="2"/>
+          </p:nvPr>
+        </p:nvSpPr>
+        <p:spPr>
+          <a:xfrm>
+            <a:off x="5594123" y="2336873"/>
+            <a:ext cx="4970904" cy="3779722"/>
+          </a:xfrm>
+        </p:spPr>
+        <p:txBody>
+          <a:bodyPr>
+            <a:normAutofit lnSpcReduction="10000"/>
+          </a:bodyPr>
+          <a:lstStyle/>
+          <a:p>
+            <a:r>
+              <a:rPr lang="es-CO" dirty="0"/>
+              <a:t>Den </a:t>
+            </a:r>
+            <a:r>
+              <a:rPr lang="es-CO" dirty="0" err="1"/>
+              <a:t>Fisch</a:t>
+            </a:r>
+            <a:r>
+              <a:rPr lang="es-CO" dirty="0"/>
+              <a:t> </a:t>
+            </a:r>
+            <a:r>
+              <a:rPr lang="es-CO" dirty="0" err="1"/>
+              <a:t>einsalzen</a:t>
+            </a:r>
+            <a:r>
+              <a:rPr lang="es-CO" dirty="0"/>
+              <a:t>.</a:t>
+            </a:r>
+          </a:p>
+          <a:p>
+            <a:endParaRPr lang="es-CO" dirty="0"/>
+          </a:p>
+          <a:p>
+            <a:r>
+              <a:rPr lang="es-CO" dirty="0" err="1"/>
+              <a:t>Geschlossen</a:t>
+            </a:r>
+            <a:r>
+              <a:rPr lang="es-CO" dirty="0"/>
+              <a:t> </a:t>
+            </a:r>
+            <a:r>
+              <a:rPr lang="es-CO" dirty="0" err="1"/>
+              <a:t>Zimmer</a:t>
+            </a:r>
+            <a:r>
+              <a:rPr lang="es-CO" dirty="0"/>
+              <a:t> – </a:t>
+            </a:r>
+            <a:r>
+              <a:rPr lang="es-CO" dirty="0" err="1"/>
+              <a:t>Fisch</a:t>
+            </a:r>
+            <a:r>
+              <a:rPr lang="es-CO" dirty="0"/>
+              <a:t> </a:t>
+            </a:r>
+            <a:r>
+              <a:rPr lang="es-CO" dirty="0" err="1"/>
+              <a:t>hängen</a:t>
+            </a:r>
+            <a:r>
+              <a:rPr lang="es-CO" dirty="0"/>
+              <a:t>.</a:t>
+            </a:r>
+          </a:p>
+          <a:p>
+            <a:endParaRPr lang="es-CO" dirty="0"/>
+          </a:p>
+          <a:p>
+            <a:r>
+              <a:rPr lang="es-CO" dirty="0"/>
+              <a:t>Rauch </a:t>
+            </a:r>
+            <a:r>
+              <a:rPr lang="es-CO" dirty="0" err="1"/>
+              <a:t>füllen</a:t>
+            </a:r>
+            <a:r>
+              <a:rPr lang="es-CO" dirty="0"/>
+              <a:t>.</a:t>
+            </a:r>
+          </a:p>
+          <a:p>
+            <a:endParaRPr lang="es-CO" dirty="0"/>
+          </a:p>
+          <a:p>
+            <a:r>
+              <a:rPr lang="es-CO" dirty="0" err="1"/>
+              <a:t>Von</a:t>
+            </a:r>
+            <a:r>
+              <a:rPr lang="es-CO" dirty="0"/>
+              <a:t> </a:t>
+            </a:r>
+            <a:r>
+              <a:rPr lang="es-CO" dirty="0" err="1"/>
+              <a:t>wenige</a:t>
+            </a:r>
+            <a:r>
+              <a:rPr lang="es-CO" dirty="0"/>
+              <a:t> </a:t>
+            </a:r>
+            <a:r>
+              <a:rPr lang="es-CO" dirty="0" err="1"/>
+              <a:t>Stunden</a:t>
+            </a:r>
+            <a:r>
+              <a:rPr lang="es-CO" dirty="0"/>
+              <a:t> bis </a:t>
+            </a:r>
+            <a:r>
+              <a:rPr lang="es-CO" dirty="0" err="1"/>
+              <a:t>zwei</a:t>
+            </a:r>
+            <a:r>
+              <a:rPr lang="es-CO" dirty="0"/>
+              <a:t> </a:t>
+            </a:r>
+            <a:r>
+              <a:rPr lang="es-CO" dirty="0" err="1"/>
+              <a:t>Tage</a:t>
+            </a:r>
+            <a:r>
+              <a:rPr lang="es-CO" dirty="0"/>
+              <a:t> </a:t>
+            </a:r>
+            <a:r>
+              <a:rPr lang="es-CO" dirty="0" err="1"/>
+              <a:t>warten</a:t>
+            </a:r>
+            <a:r>
+              <a:rPr lang="es-CO" dirty="0"/>
+              <a:t>.</a:t>
+            </a:r>
+          </a:p>
+        </p:txBody>
+      </p:sp>
+    </p:spTree>
+    <p:extLst>
+      <p:ext uri="{BB962C8B-B14F-4D97-AF65-F5344CB8AC3E}">
+        <p14:creationId xmlns:p14="http://schemas.microsoft.com/office/powerpoint/2010/main" val="684330162"/>
       </p:ext>
     </p:extLst>
   </p:cSld>
@@ -8842,335 +8812,6 @@
       </p:grpSpPr>
       <p:sp>
         <p:nvSpPr>
-          <p:cNvPr id="2" name="Title 1"/>
-          <p:cNvSpPr>
-            <a:spLocks noGrp="1"/>
-          </p:cNvSpPr>
-          <p:nvPr>
-            <p:ph type="title"/>
-          </p:nvPr>
-        </p:nvSpPr>
-        <p:spPr/>
-        <p:txBody>
-          <a:bodyPr/>
-          <a:lstStyle/>
-          <a:p>
-            <a:pPr algn="ctr"/>
-            <a:r>
-              <a:rPr lang="es-CO" dirty="0" err="1"/>
-              <a:t>Wie</a:t>
-            </a:r>
-            <a:r>
-              <a:rPr lang="es-CO" dirty="0"/>
-              <a:t> </a:t>
-            </a:r>
-            <a:r>
-              <a:rPr lang="es-CO" dirty="0" err="1"/>
-              <a:t>ist</a:t>
-            </a:r>
-            <a:r>
-              <a:rPr lang="es-CO" dirty="0"/>
-              <a:t> </a:t>
-            </a:r>
-            <a:r>
-              <a:rPr lang="es-CO" dirty="0" err="1"/>
-              <a:t>gemacht</a:t>
-            </a:r>
-            <a:r>
-              <a:rPr lang="es-CO" dirty="0"/>
-              <a:t>?</a:t>
-            </a:r>
-          </a:p>
-        </p:txBody>
-      </p:sp>
-      <p:pic>
-        <p:nvPicPr>
-          <p:cNvPr id="6" name="Content Placeholder 5"/>
-          <p:cNvPicPr>
-            <a:picLocks noGrp="1" noChangeAspect="1"/>
-          </p:cNvPicPr>
-          <p:nvPr>
-            <p:ph sz="half" idx="1"/>
-          </p:nvPr>
-        </p:nvPicPr>
-        <p:blipFill>
-          <a:blip r:embed="rId2"/>
-          <a:stretch>
-            <a:fillRect/>
-          </a:stretch>
-        </p:blipFill>
-        <p:spPr>
-          <a:xfrm>
-            <a:off x="680321" y="2336873"/>
-            <a:ext cx="4697412" cy="3523059"/>
-          </a:xfrm>
-        </p:spPr>
-      </p:pic>
-      <p:sp>
-        <p:nvSpPr>
-          <p:cNvPr id="4" name="Content Placeholder 3"/>
-          <p:cNvSpPr>
-            <a:spLocks noGrp="1"/>
-          </p:cNvSpPr>
-          <p:nvPr>
-            <p:ph sz="half" idx="2"/>
-          </p:nvPr>
-        </p:nvSpPr>
-        <p:spPr/>
-        <p:txBody>
-          <a:bodyPr/>
-          <a:lstStyle/>
-          <a:p>
-            <a:r>
-              <a:rPr lang="es-CO" dirty="0" err="1"/>
-              <a:t>Zuerst</a:t>
-            </a:r>
-            <a:r>
-              <a:rPr lang="es-CO" dirty="0"/>
-              <a:t> </a:t>
-            </a:r>
-            <a:r>
-              <a:rPr lang="es-CO" dirty="0" err="1"/>
-              <a:t>salzt</a:t>
-            </a:r>
-            <a:r>
-              <a:rPr lang="es-CO" dirty="0"/>
-              <a:t> </a:t>
-            </a:r>
-            <a:r>
-              <a:rPr lang="es-CO" dirty="0" err="1"/>
-              <a:t>man</a:t>
-            </a:r>
-            <a:r>
-              <a:rPr lang="es-CO" dirty="0"/>
-              <a:t> </a:t>
-            </a:r>
-            <a:r>
-              <a:rPr lang="es-CO" dirty="0" err="1"/>
-              <a:t>der</a:t>
-            </a:r>
-            <a:r>
-              <a:rPr lang="es-CO" dirty="0"/>
-              <a:t> </a:t>
-            </a:r>
-            <a:r>
-              <a:rPr lang="es-CO" dirty="0" err="1"/>
-              <a:t>Fisch</a:t>
-            </a:r>
-            <a:r>
-              <a:rPr lang="es-CO" dirty="0"/>
-              <a:t> </a:t>
-            </a:r>
-            <a:r>
-              <a:rPr lang="es-CO" dirty="0" err="1"/>
-              <a:t>ein</a:t>
-            </a:r>
-            <a:r>
-              <a:rPr lang="es-CO" dirty="0"/>
-              <a:t>.</a:t>
-            </a:r>
-          </a:p>
-          <a:p>
-            <a:r>
-              <a:rPr lang="es-CO" dirty="0" err="1"/>
-              <a:t>Dann</a:t>
-            </a:r>
-            <a:r>
-              <a:rPr lang="es-CO" dirty="0"/>
-              <a:t> </a:t>
-            </a:r>
-            <a:r>
-              <a:rPr lang="es-CO" dirty="0" err="1"/>
-              <a:t>hängt</a:t>
-            </a:r>
-            <a:r>
-              <a:rPr lang="es-CO" dirty="0"/>
-              <a:t> </a:t>
-            </a:r>
-            <a:r>
-              <a:rPr lang="es-CO" dirty="0" err="1"/>
-              <a:t>man</a:t>
-            </a:r>
-            <a:r>
-              <a:rPr lang="es-CO" dirty="0"/>
-              <a:t> den </a:t>
-            </a:r>
-            <a:r>
-              <a:rPr lang="es-CO" dirty="0" err="1"/>
-              <a:t>Fisch</a:t>
-            </a:r>
-            <a:r>
-              <a:rPr lang="es-CO" dirty="0"/>
-              <a:t> in </a:t>
-            </a:r>
-            <a:r>
-              <a:rPr lang="es-CO" dirty="0" err="1"/>
-              <a:t>ein</a:t>
-            </a:r>
-            <a:r>
-              <a:rPr lang="es-CO" dirty="0"/>
-              <a:t> </a:t>
-            </a:r>
-            <a:r>
-              <a:rPr lang="es-CO" dirty="0" err="1"/>
-              <a:t>geschlossen</a:t>
-            </a:r>
-            <a:r>
-              <a:rPr lang="es-CO" dirty="0"/>
-              <a:t> </a:t>
-            </a:r>
-            <a:r>
-              <a:rPr lang="es-CO" dirty="0" err="1"/>
-              <a:t>Zimmer</a:t>
-            </a:r>
-            <a:r>
-              <a:rPr lang="es-CO" dirty="0"/>
-              <a:t>.</a:t>
-            </a:r>
-          </a:p>
-          <a:p>
-            <a:r>
-              <a:rPr lang="es-CO" dirty="0"/>
-              <a:t>Das </a:t>
-            </a:r>
-            <a:r>
-              <a:rPr lang="es-CO" dirty="0" err="1"/>
-              <a:t>Zimmer</a:t>
-            </a:r>
-            <a:r>
-              <a:rPr lang="es-CO" dirty="0"/>
-              <a:t> </a:t>
-            </a:r>
-            <a:r>
-              <a:rPr lang="es-CO" dirty="0" err="1"/>
-              <a:t>ist</a:t>
-            </a:r>
-            <a:r>
-              <a:rPr lang="es-CO" dirty="0"/>
-              <a:t> </a:t>
-            </a:r>
-            <a:r>
-              <a:rPr lang="es-CO" dirty="0" err="1"/>
-              <a:t>mit</a:t>
-            </a:r>
-            <a:r>
-              <a:rPr lang="es-CO" dirty="0"/>
-              <a:t> Rauch </a:t>
-            </a:r>
-            <a:r>
-              <a:rPr lang="es-CO" dirty="0" err="1"/>
-              <a:t>gefüllt</a:t>
-            </a:r>
-            <a:r>
-              <a:rPr lang="es-CO" dirty="0"/>
-              <a:t>.</a:t>
-            </a:r>
-          </a:p>
-          <a:p>
-            <a:r>
-              <a:rPr lang="es-CO" dirty="0" err="1"/>
-              <a:t>Dann</a:t>
-            </a:r>
-            <a:r>
-              <a:rPr lang="es-CO" dirty="0"/>
-              <a:t> </a:t>
-            </a:r>
-            <a:r>
-              <a:rPr lang="es-CO" dirty="0" err="1"/>
-              <a:t>müss</a:t>
-            </a:r>
-            <a:r>
-              <a:rPr lang="es-CO" dirty="0"/>
-              <a:t> </a:t>
-            </a:r>
-            <a:r>
-              <a:rPr lang="es-CO" dirty="0" err="1"/>
-              <a:t>man</a:t>
-            </a:r>
-            <a:r>
-              <a:rPr lang="es-CO" dirty="0"/>
-              <a:t> </a:t>
-            </a:r>
-            <a:r>
-              <a:rPr lang="es-CO" dirty="0" err="1"/>
-              <a:t>von</a:t>
-            </a:r>
-            <a:r>
-              <a:rPr lang="es-CO" dirty="0"/>
-              <a:t> </a:t>
-            </a:r>
-            <a:r>
-              <a:rPr lang="es-CO" dirty="0" err="1"/>
-              <a:t>wenig</a:t>
-            </a:r>
-            <a:r>
-              <a:rPr lang="es-CO" dirty="0"/>
-              <a:t> </a:t>
-            </a:r>
-            <a:r>
-              <a:rPr lang="es-CO" dirty="0" err="1"/>
-              <a:t>Stunden</a:t>
-            </a:r>
-            <a:r>
-              <a:rPr lang="es-CO" dirty="0"/>
-              <a:t> bis </a:t>
-            </a:r>
-            <a:r>
-              <a:rPr lang="es-CO" dirty="0" err="1"/>
-              <a:t>zwei</a:t>
-            </a:r>
-            <a:r>
-              <a:rPr lang="es-CO" dirty="0"/>
-              <a:t> </a:t>
-            </a:r>
-            <a:r>
-              <a:rPr lang="es-CO" dirty="0" err="1"/>
-              <a:t>Tage</a:t>
-            </a:r>
-            <a:r>
-              <a:rPr lang="es-CO" dirty="0"/>
-              <a:t> </a:t>
-            </a:r>
-            <a:r>
-              <a:rPr lang="es-CO" dirty="0" err="1"/>
-              <a:t>warten</a:t>
-            </a:r>
-            <a:endParaRPr lang="es-CO" dirty="0"/>
-          </a:p>
-        </p:txBody>
-      </p:sp>
-    </p:spTree>
-    <p:extLst>
-      <p:ext uri="{BB962C8B-B14F-4D97-AF65-F5344CB8AC3E}">
-        <p14:creationId xmlns:p14="http://schemas.microsoft.com/office/powerpoint/2010/main" val="684330162"/>
-      </p:ext>
-    </p:extLst>
-  </p:cSld>
-  <p:clrMapOvr>
-    <a:masterClrMapping/>
-  </p:clrMapOvr>
-</p:sld>
-</file>
-
-<file path=ppt/slides/slide6.xml><?xml version="1.0" encoding="utf-8"?>
-<p:sld xmlns:a="http://schemas.openxmlformats.org/drawingml/2006/main" xmlns:r="http://schemas.openxmlformats.org/officeDocument/2006/relationships" xmlns:p="http://schemas.openxmlformats.org/presentationml/2006/main">
-  <p:cSld>
-    <p:spTree>
-      <p:nvGrpSpPr>
-        <p:cNvPr id="1" name=""/>
-        <p:cNvGrpSpPr/>
-        <p:nvPr/>
-      </p:nvGrpSpPr>
-      <p:grpSpPr>
-        <a:xfrm>
-          <a:off x="0" y="0"/>
-          <a:ext cx="0" cy="0"/>
-          <a:chOff x="0" y="0"/>
-          <a:chExt cx="0" cy="0"/>
-        </a:xfrm>
-      </p:grpSpPr>
-      <p:sp>
-        <p:nvSpPr>
           <p:cNvPr id="5" name="Title 4"/>
           <p:cNvSpPr>
             <a:spLocks noGrp="1"/>
@@ -9382,7 +9023,7 @@
 </p:sld>
 </file>
 
-<file path=ppt/slides/slide7.xml><?xml version="1.0" encoding="utf-8"?>
+<file path=ppt/slides/slide6.xml><?xml version="1.0" encoding="utf-8"?>
 <p:sld xmlns:a="http://schemas.openxmlformats.org/drawingml/2006/main" xmlns:r="http://schemas.openxmlformats.org/officeDocument/2006/relationships" xmlns:p="http://schemas.openxmlformats.org/presentationml/2006/main">
   <p:cSld>
     <p:spTree>
